--- a/typescript/typescript brownbag.pptx
+++ b/typescript/typescript brownbag.pptx
@@ -5,7 +5,7 @@
     <p:sldMasterId id="2147483648" r:id="rId1"/>
   </p:sldMasterIdLst>
   <p:notesMasterIdLst>
-    <p:notesMasterId r:id="rId15"/>
+    <p:notesMasterId r:id="rId17"/>
   </p:notesMasterIdLst>
   <p:sldIdLst>
     <p:sldId id="256" r:id="rId2"/>
@@ -19,8 +19,10 @@
     <p:sldId id="276" r:id="rId10"/>
     <p:sldId id="279" r:id="rId11"/>
     <p:sldId id="280" r:id="rId12"/>
-    <p:sldId id="281" r:id="rId13"/>
-    <p:sldId id="271" r:id="rId14"/>
+    <p:sldId id="282" r:id="rId13"/>
+    <p:sldId id="281" r:id="rId14"/>
+    <p:sldId id="284" r:id="rId15"/>
+    <p:sldId id="271" r:id="rId16"/>
   </p:sldIdLst>
   <p:sldSz cx="9144000" cy="6858000" type="screen4x3"/>
   <p:notesSz cx="6858000" cy="9144000"/>
@@ -220,7 +222,7 @@
           <a:p>
             <a:fld id="{436134EC-835B-48D8-BDB5-96D4A8A8ACE7}" type="datetimeFigureOut">
               <a:rPr lang="en-US" smtClean="0"/>
-              <a:t>5/11/2016</a:t>
+              <a:t>5/15/2016</a:t>
             </a:fld>
             <a:endParaRPr lang="en-US"/>
           </a:p>
@@ -680,7 +682,7 @@
           <a:p>
             <a:fld id="{216C5678-EE20-4FA5-88E2-6E0BD67A2E26}" type="datetime1">
               <a:rPr lang="en-US" smtClean="0"/>
-              <a:t>5/11/2016</a:t>
+              <a:t>5/15/2016</a:t>
             </a:fld>
             <a:endParaRPr lang="en-US" dirty="0"/>
           </a:p>
@@ -850,7 +852,7 @@
           <a:p>
             <a:fld id="{EA051B39-B140-43FE-96DB-472A2B59CE7C}" type="datetime1">
               <a:rPr lang="en-US" smtClean="0"/>
-              <a:t>5/11/2016</a:t>
+              <a:t>5/15/2016</a:t>
             </a:fld>
             <a:endParaRPr lang="en-US"/>
           </a:p>
@@ -1030,7 +1032,7 @@
           <a:p>
             <a:fld id="{DA600BB2-27C5-458B-ABCE-839C88CF47CE}" type="datetime1">
               <a:rPr lang="en-US" smtClean="0"/>
-              <a:t>5/11/2016</a:t>
+              <a:t>5/15/2016</a:t>
             </a:fld>
             <a:endParaRPr lang="en-US"/>
           </a:p>
@@ -1218,7 +1220,7 @@
           <a:p>
             <a:fld id="{B11D738E-8962-435F-8C43-147B8DD7E819}" type="datetime1">
               <a:rPr lang="en-US" smtClean="0"/>
-              <a:t>5/11/2016</a:t>
+              <a:t>5/15/2016</a:t>
             </a:fld>
             <a:endParaRPr lang="en-US"/>
           </a:p>
@@ -1485,7 +1487,7 @@
           <a:p>
             <a:fld id="{09CAEA93-55E7-4DA9-90C2-089A26EEFEC4}" type="datetime1">
               <a:rPr lang="en-US" smtClean="0"/>
-              <a:t>5/11/2016</a:t>
+              <a:t>5/15/2016</a:t>
             </a:fld>
             <a:endParaRPr lang="en-US"/>
           </a:p>
@@ -1838,7 +1840,7 @@
           <a:p>
             <a:fld id="{E34CF3C7-6809-4F39-BD67-A75817BDDE0A}" type="datetime1">
               <a:rPr lang="en-US" smtClean="0"/>
-              <a:t>5/11/2016</a:t>
+              <a:t>5/15/2016</a:t>
             </a:fld>
             <a:endParaRPr lang="en-US"/>
           </a:p>
@@ -2151,7 +2153,7 @@
           <a:p>
             <a:fld id="{F7EAEB24-CE78-465C-A726-91D0868FA48F}" type="datetime1">
               <a:rPr lang="en-US" smtClean="0"/>
-              <a:t>5/11/2016</a:t>
+              <a:t>5/15/2016</a:t>
             </a:fld>
             <a:endParaRPr lang="en-US"/>
           </a:p>
@@ -2383,7 +2385,7 @@
           <a:p>
             <a:fld id="{40BAADF0-1749-4E8B-9691-B44A5F8C0895}" type="datetime1">
               <a:rPr lang="en-US" smtClean="0"/>
-              <a:t>5/11/2016</a:t>
+              <a:t>5/15/2016</a:t>
             </a:fld>
             <a:endParaRPr lang="en-US"/>
           </a:p>
@@ -2478,7 +2480,7 @@
           <a:p>
             <a:fld id="{A8AF628A-A867-4937-BBE5-207DB6F9C51A}" type="datetime1">
               <a:rPr lang="en-US" smtClean="0"/>
-              <a:t>5/11/2016</a:t>
+              <a:t>5/15/2016</a:t>
             </a:fld>
             <a:endParaRPr lang="en-US"/>
           </a:p>
@@ -2771,7 +2773,7 @@
           <a:p>
             <a:fld id="{118BBB94-68E6-4675-A946-F1C5994EDBD7}" type="datetime1">
               <a:rPr lang="en-US" smtClean="0"/>
-              <a:t>5/11/2016</a:t>
+              <a:t>5/15/2016</a:t>
             </a:fld>
             <a:endParaRPr lang="en-US"/>
           </a:p>
@@ -3045,7 +3047,7 @@
           <a:p>
             <a:fld id="{DC3B8377-21E3-4835-B75D-4E2847E2750F}" type="datetime1">
               <a:rPr lang="en-US" smtClean="0"/>
-              <a:t>5/11/2016</a:t>
+              <a:t>5/15/2016</a:t>
             </a:fld>
             <a:endParaRPr lang="en-US"/>
           </a:p>
@@ -3260,7 +3262,7 @@
           <a:p>
             <a:fld id="{B0C4986D-6BE9-4264-908F-02DB36FD8D6C}" type="datetime1">
               <a:rPr lang="en-US" smtClean="0"/>
-              <a:t>5/11/2016</a:t>
+              <a:t>5/15/2016</a:t>
             </a:fld>
             <a:endParaRPr lang="en-US" dirty="0"/>
           </a:p>
@@ -3858,7 +3860,7 @@
           <a:p>
             <a:fld id="{216C5678-EE20-4FA5-88E2-6E0BD67A2E26}" type="datetime1">
               <a:rPr lang="en-US" smtClean="0"/>
-              <a:t>5/11/2016</a:t>
+              <a:t>5/15/2016</a:t>
             </a:fld>
             <a:endParaRPr lang="en-US" dirty="0"/>
           </a:p>
@@ -4021,7 +4023,7 @@
           <a:p>
             <a:fld id="{216C5678-EE20-4FA5-88E2-6E0BD67A2E26}" type="datetime1">
               <a:rPr lang="en-US" smtClean="0"/>
-              <a:t>5/11/2016</a:t>
+              <a:t>5/15/2016</a:t>
             </a:fld>
             <a:endParaRPr lang="en-US" dirty="0"/>
           </a:p>
@@ -4461,7 +4463,7 @@
           <a:p>
             <a:fld id="{216C5678-EE20-4FA5-88E2-6E0BD67A2E26}" type="datetime1">
               <a:rPr lang="en-US" smtClean="0"/>
-              <a:t>5/11/2016</a:t>
+              <a:t>5/15/2016</a:t>
             </a:fld>
             <a:endParaRPr lang="en-US" dirty="0"/>
           </a:p>
@@ -4725,29 +4727,37 @@
           <a:p>
             <a:pPr algn="l"/>
             <a:r>
+              <a:rPr lang="en-US" sz="1800" dirty="0" smtClean="0"/>
+              <a:t>	add(x </a:t>
+            </a:r>
+            <a:r>
+              <a:rPr lang="en-US" sz="1800" dirty="0"/>
+              <a:t>: number, y : number) : </a:t>
+            </a:r>
+            <a:r>
+              <a:rPr lang="en-US" sz="1800" dirty="0" smtClean="0"/>
+              <a:t>number</a:t>
+            </a:r>
+            <a:r>
+              <a:rPr lang="en-US" sz="1800" dirty="0" smtClean="0"/>
+              <a:t>;</a:t>
+            </a:r>
+          </a:p>
+          <a:p>
+            <a:pPr algn="l"/>
+            <a:r>
               <a:rPr lang="en-US" sz="1800" dirty="0"/>
               <a:t> </a:t>
             </a:r>
             <a:r>
               <a:rPr lang="en-US" sz="1800" dirty="0" smtClean="0"/>
-              <a:t>              </a:t>
-            </a:r>
-            <a:r>
-              <a:rPr lang="en-US" sz="1800" dirty="0"/>
-              <a:t>add(x : number, y : number) : </a:t>
+              <a:t>       </a:t>
             </a:r>
             <a:r>
               <a:rPr lang="en-US" sz="1800" dirty="0" smtClean="0"/>
-              <a:t>number;</a:t>
-            </a:r>
-            <a:endParaRPr lang="en-US" sz="1800" dirty="0"/>
-          </a:p>
-          <a:p>
-            <a:pPr algn="l"/>
-            <a:r>
-              <a:rPr lang="en-US" sz="1800" dirty="0" smtClean="0"/>
-              <a:t>        }</a:t>
-            </a:r>
+              <a:t>}</a:t>
+            </a:r>
+            <a:endParaRPr lang="en-US" sz="1800" dirty="0" smtClean="0"/>
           </a:p>
           <a:p>
             <a:pPr algn="l"/>
@@ -4776,7 +4786,11 @@
             <a:pPr algn="l"/>
             <a:r>
               <a:rPr lang="en-US" sz="1800" dirty="0" smtClean="0"/>
-              <a:t>                 add(x </a:t>
+              <a:t>                 </a:t>
+            </a:r>
+            <a:r>
+              <a:rPr lang="en-US" sz="1800" dirty="0" smtClean="0"/>
+              <a:t>public add(x </a:t>
             </a:r>
             <a:r>
               <a:rPr lang="en-US" sz="1800" dirty="0"/>
@@ -4784,8 +4798,40 @@
             </a:r>
             <a:r>
               <a:rPr lang="en-US" sz="1800" dirty="0" smtClean="0"/>
-              <a:t>number {  }</a:t>
-            </a:r>
+              <a:t>number {  </a:t>
+            </a:r>
+            <a:r>
+              <a:rPr lang="en-US" sz="1800" dirty="0" smtClean="0"/>
+              <a:t>}</a:t>
+            </a:r>
+          </a:p>
+          <a:p>
+            <a:pPr algn="l"/>
+            <a:r>
+              <a:rPr lang="en-US" sz="1800" dirty="0"/>
+              <a:t>	</a:t>
+            </a:r>
+            <a:r>
+              <a:rPr lang="en-US" sz="1800" dirty="0" smtClean="0"/>
+              <a:t>   private _</a:t>
+            </a:r>
+            <a:r>
+              <a:rPr lang="en-US" sz="1800" dirty="0"/>
+              <a:t>h</a:t>
+            </a:r>
+            <a:r>
+              <a:rPr lang="en-US" sz="1800" dirty="0" smtClean="0"/>
+              <a:t>elper</a:t>
+            </a:r>
+            <a:r>
+              <a:rPr lang="en-US" sz="1800" dirty="0"/>
+              <a:t>() : </a:t>
+            </a:r>
+            <a:r>
+              <a:rPr lang="en-US" sz="1800" dirty="0" smtClean="0"/>
+              <a:t>void { }</a:t>
+            </a:r>
+            <a:endParaRPr lang="en-US" sz="1800" dirty="0" smtClean="0"/>
           </a:p>
           <a:p>
             <a:pPr algn="l"/>
@@ -4953,8 +4999,8 @@
         </p:nvSpPr>
         <p:spPr>
           <a:xfrm>
-            <a:off x="2300934" y="1447800"/>
-            <a:ext cx="5105400" cy="1447800"/>
+            <a:off x="672482" y="76200"/>
+            <a:ext cx="7772400" cy="685800"/>
           </a:xfrm>
         </p:spPr>
         <p:txBody>
@@ -4963,10 +5009,48 @@
           <a:p>
             <a:pPr algn="l"/>
             <a:r>
-              <a:rPr lang="en-US" sz="6000" dirty="0" smtClean="0"/>
-              <a:t>Code Demo</a:t>
-            </a:r>
-            <a:endParaRPr lang="en-US" sz="6000" dirty="0"/>
+              <a:rPr lang="en-US" sz="4000" dirty="0" smtClean="0"/>
+              <a:t>Typescript </a:t>
+            </a:r>
+            <a:r>
+              <a:rPr lang="en-US" sz="4000" dirty="0" smtClean="0"/>
+              <a:t>Definition Files </a:t>
+            </a:r>
+            <a:endParaRPr lang="en-US" sz="4000" dirty="0"/>
+          </a:p>
+        </p:txBody>
+      </p:sp>
+      <p:sp>
+        <p:nvSpPr>
+          <p:cNvPr id="3" name="Subtitle 2"/>
+          <p:cNvSpPr>
+            <a:spLocks noGrp="1"/>
+          </p:cNvSpPr>
+          <p:nvPr>
+            <p:ph type="subTitle" idx="1"/>
+          </p:nvPr>
+        </p:nvSpPr>
+        <p:spPr>
+          <a:xfrm>
+            <a:off x="381000" y="990600"/>
+            <a:ext cx="7696200" cy="4572000"/>
+          </a:xfrm>
+        </p:spPr>
+        <p:txBody>
+          <a:bodyPr>
+            <a:noAutofit/>
+          </a:bodyPr>
+          <a:lstStyle/>
+          <a:p>
+            <a:pPr algn="l"/>
+            <a:endParaRPr lang="en-US" sz="3200" dirty="0" smtClean="0"/>
+          </a:p>
+          <a:p>
+            <a:pPr marL="342900" indent="-342900" algn="l">
+              <a:buFont typeface="Arial" panose="020B0604020202020204" pitchFamily="34" charset="0"/>
+              <a:buChar char="•"/>
+            </a:pPr>
+            <a:endParaRPr lang="en-US" sz="3200" dirty="0"/>
           </a:p>
         </p:txBody>
       </p:sp>
@@ -4987,7 +5071,7 @@
           <a:p>
             <a:fld id="{216C5678-EE20-4FA5-88E2-6E0BD67A2E26}" type="datetime1">
               <a:rPr lang="en-US" smtClean="0"/>
-              <a:t>5/11/2016</a:t>
+              <a:t>5/15/2016</a:t>
             </a:fld>
             <a:endParaRPr lang="en-US" dirty="0"/>
           </a:p>
@@ -5040,10 +5124,315 @@
           </a:p>
         </p:txBody>
       </p:sp>
+      <p:sp>
+        <p:nvSpPr>
+          <p:cNvPr id="7" name="Subtitle 2"/>
+          <p:cNvSpPr txBox="1">
+            <a:spLocks/>
+          </p:cNvSpPr>
+          <p:nvPr/>
+        </p:nvSpPr>
+        <p:spPr>
+          <a:xfrm>
+            <a:off x="295922" y="761999"/>
+            <a:ext cx="8543278" cy="5959475"/>
+          </a:xfrm>
+          <a:prstGeom prst="rect">
+            <a:avLst/>
+          </a:prstGeom>
+        </p:spPr>
+        <p:txBody>
+          <a:bodyPr vert="horz" lIns="91440" tIns="45720" rIns="91440" bIns="45720" rtlCol="0">
+            <a:noAutofit/>
+          </a:bodyPr>
+          <a:lstStyle>
+            <a:lvl1pPr marL="0" indent="0" algn="ctr" defTabSz="914400" rtl="0" eaLnBrk="1" latinLnBrk="0" hangingPunct="1">
+              <a:spcBef>
+                <a:spcPct val="20000"/>
+              </a:spcBef>
+              <a:buFont typeface="Arial" pitchFamily="34" charset="0"/>
+              <a:buNone/>
+              <a:defRPr sz="2400" kern="1200">
+                <a:solidFill>
+                  <a:schemeClr val="tx1">
+                    <a:tint val="75000"/>
+                  </a:schemeClr>
+                </a:solidFill>
+                <a:latin typeface="+mj-lt"/>
+                <a:ea typeface="+mn-ea"/>
+                <a:cs typeface="+mn-cs"/>
+              </a:defRPr>
+            </a:lvl1pPr>
+            <a:lvl2pPr marL="457200" indent="0" algn="ctr" defTabSz="914400" rtl="0" eaLnBrk="1" latinLnBrk="0" hangingPunct="1">
+              <a:spcBef>
+                <a:spcPct val="20000"/>
+              </a:spcBef>
+              <a:buFont typeface="Courier New" pitchFamily="49" charset="0"/>
+              <a:buNone/>
+              <a:defRPr sz="1600" kern="1200">
+                <a:solidFill>
+                  <a:schemeClr val="tx1">
+                    <a:tint val="75000"/>
+                  </a:schemeClr>
+                </a:solidFill>
+                <a:latin typeface="+mj-lt"/>
+                <a:ea typeface="+mn-ea"/>
+                <a:cs typeface="+mn-cs"/>
+              </a:defRPr>
+            </a:lvl2pPr>
+            <a:lvl3pPr marL="914400" indent="0" algn="ctr" defTabSz="914400" rtl="0" eaLnBrk="1" latinLnBrk="0" hangingPunct="1">
+              <a:spcBef>
+                <a:spcPct val="20000"/>
+              </a:spcBef>
+              <a:buFont typeface="Arial" pitchFamily="34" charset="0"/>
+              <a:buNone/>
+              <a:defRPr sz="1600" kern="1200">
+                <a:solidFill>
+                  <a:schemeClr val="tx1">
+                    <a:tint val="75000"/>
+                  </a:schemeClr>
+                </a:solidFill>
+                <a:latin typeface="+mj-lt"/>
+                <a:ea typeface="+mn-ea"/>
+                <a:cs typeface="+mn-cs"/>
+              </a:defRPr>
+            </a:lvl3pPr>
+            <a:lvl4pPr marL="1371600" indent="0" algn="ctr" defTabSz="914400" rtl="0" eaLnBrk="1" latinLnBrk="0" hangingPunct="1">
+              <a:spcBef>
+                <a:spcPct val="20000"/>
+              </a:spcBef>
+              <a:buFont typeface="Courier New" pitchFamily="49" charset="0"/>
+              <a:buNone/>
+              <a:defRPr sz="1600" kern="1200">
+                <a:solidFill>
+                  <a:schemeClr val="tx1">
+                    <a:tint val="75000"/>
+                  </a:schemeClr>
+                </a:solidFill>
+                <a:latin typeface="+mj-lt"/>
+                <a:ea typeface="+mn-ea"/>
+                <a:cs typeface="+mn-cs"/>
+              </a:defRPr>
+            </a:lvl4pPr>
+            <a:lvl5pPr marL="1828800" indent="0" algn="ctr" defTabSz="914400" rtl="0" eaLnBrk="1" latinLnBrk="0" hangingPunct="1">
+              <a:spcBef>
+                <a:spcPct val="20000"/>
+              </a:spcBef>
+              <a:buFont typeface="Arial" pitchFamily="34" charset="0"/>
+              <a:buNone/>
+              <a:defRPr sz="1600" kern="1200">
+                <a:solidFill>
+                  <a:schemeClr val="tx1">
+                    <a:tint val="75000"/>
+                  </a:schemeClr>
+                </a:solidFill>
+                <a:latin typeface="+mj-lt"/>
+                <a:ea typeface="+mn-ea"/>
+                <a:cs typeface="+mn-cs"/>
+              </a:defRPr>
+            </a:lvl5pPr>
+            <a:lvl6pPr marL="2286000" indent="0" algn="ctr" defTabSz="914400" rtl="0" eaLnBrk="1" latinLnBrk="0" hangingPunct="1">
+              <a:spcBef>
+                <a:spcPct val="20000"/>
+              </a:spcBef>
+              <a:buFont typeface="Courier New" pitchFamily="49" charset="0"/>
+              <a:buNone/>
+              <a:defRPr sz="1600" kern="1200">
+                <a:solidFill>
+                  <a:schemeClr val="tx1">
+                    <a:tint val="75000"/>
+                  </a:schemeClr>
+                </a:solidFill>
+                <a:latin typeface="+mj-lt"/>
+                <a:ea typeface="+mn-ea"/>
+                <a:cs typeface="+mn-cs"/>
+              </a:defRPr>
+            </a:lvl6pPr>
+            <a:lvl7pPr marL="2743200" indent="0" algn="ctr" defTabSz="914400" rtl="0" eaLnBrk="1" latinLnBrk="0" hangingPunct="1">
+              <a:spcBef>
+                <a:spcPct val="20000"/>
+              </a:spcBef>
+              <a:buFont typeface="Arial" pitchFamily="34" charset="0"/>
+              <a:buNone/>
+              <a:defRPr sz="1600" kern="1200">
+                <a:solidFill>
+                  <a:schemeClr val="tx1">
+                    <a:tint val="75000"/>
+                  </a:schemeClr>
+                </a:solidFill>
+                <a:latin typeface="+mj-lt"/>
+                <a:ea typeface="+mn-ea"/>
+                <a:cs typeface="+mn-cs"/>
+              </a:defRPr>
+            </a:lvl7pPr>
+            <a:lvl8pPr marL="3200400" indent="0" algn="ctr" defTabSz="914400" rtl="0" eaLnBrk="1" latinLnBrk="0" hangingPunct="1">
+              <a:spcBef>
+                <a:spcPct val="20000"/>
+              </a:spcBef>
+              <a:buFont typeface="Courier New" pitchFamily="49" charset="0"/>
+              <a:buNone/>
+              <a:defRPr sz="1600" kern="1200">
+                <a:solidFill>
+                  <a:schemeClr val="tx1">
+                    <a:tint val="75000"/>
+                  </a:schemeClr>
+                </a:solidFill>
+                <a:latin typeface="+mj-lt"/>
+                <a:ea typeface="+mn-ea"/>
+                <a:cs typeface="+mn-cs"/>
+              </a:defRPr>
+            </a:lvl8pPr>
+            <a:lvl9pPr marL="3657600" indent="0" algn="ctr" defTabSz="914400" rtl="0" eaLnBrk="1" latinLnBrk="0" hangingPunct="1">
+              <a:spcBef>
+                <a:spcPct val="20000"/>
+              </a:spcBef>
+              <a:buFont typeface="Arial" pitchFamily="34" charset="0"/>
+              <a:buNone/>
+              <a:defRPr sz="1600" kern="1200">
+                <a:solidFill>
+                  <a:schemeClr val="tx1">
+                    <a:tint val="75000"/>
+                  </a:schemeClr>
+                </a:solidFill>
+                <a:latin typeface="+mj-lt"/>
+                <a:ea typeface="+mn-ea"/>
+                <a:cs typeface="+mn-cs"/>
+              </a:defRPr>
+            </a:lvl9pPr>
+          </a:lstStyle>
+          <a:p>
+            <a:pPr marL="285750" indent="-285750" algn="l">
+              <a:buFont typeface="Arial" panose="020B0604020202020204" pitchFamily="34" charset="0"/>
+              <a:buChar char="•"/>
+            </a:pPr>
+            <a:r>
+              <a:rPr lang="en-US" sz="3200" dirty="0" smtClean="0"/>
+              <a:t>“Integration” with existing JS code.</a:t>
+            </a:r>
+          </a:p>
+          <a:p>
+            <a:pPr marL="285750" indent="-285750" algn="l">
+              <a:buFont typeface="Arial" panose="020B0604020202020204" pitchFamily="34" charset="0"/>
+              <a:buChar char="•"/>
+            </a:pPr>
+            <a:r>
+              <a:rPr lang="en-US" sz="3200" dirty="0" smtClean="0"/>
+              <a:t>Assist TS compiler in finding correct types. </a:t>
+            </a:r>
+          </a:p>
+          <a:p>
+            <a:pPr marL="285750" indent="-285750" algn="l">
+              <a:buFont typeface="Arial" panose="020B0604020202020204" pitchFamily="34" charset="0"/>
+              <a:buChar char="•"/>
+            </a:pPr>
+            <a:r>
+              <a:rPr lang="en-US" sz="3200" dirty="0" smtClean="0"/>
+              <a:t>*.</a:t>
+            </a:r>
+            <a:r>
+              <a:rPr lang="en-US" sz="3200" dirty="0" err="1" smtClean="0"/>
+              <a:t>d.ts</a:t>
+            </a:r>
+            <a:endParaRPr lang="en-US" sz="3200" dirty="0" smtClean="0"/>
+          </a:p>
+          <a:p>
+            <a:pPr lvl="2" algn="l"/>
+            <a:r>
+              <a:rPr lang="en-US" sz="2000" dirty="0" smtClean="0"/>
+              <a:t>jQuery.js -&gt; </a:t>
+            </a:r>
+            <a:r>
+              <a:rPr lang="en-US" sz="2000" dirty="0" err="1" smtClean="0"/>
+              <a:t>jQuery.d.ts</a:t>
+            </a:r>
+            <a:r>
+              <a:rPr lang="en-US" sz="2000" dirty="0" smtClean="0"/>
+              <a:t> </a:t>
+            </a:r>
+          </a:p>
+          <a:p>
+            <a:pPr lvl="2" algn="l"/>
+            <a:r>
+              <a:rPr lang="en-US" sz="2000" dirty="0"/>
+              <a:t>E</a:t>
+            </a:r>
+            <a:r>
+              <a:rPr lang="en-US" sz="2000" dirty="0" smtClean="0"/>
+              <a:t>xtJs.js -&gt; </a:t>
+            </a:r>
+            <a:r>
+              <a:rPr lang="en-US" sz="2000" dirty="0" err="1" smtClean="0"/>
+              <a:t>ExtJs.d.ts</a:t>
+            </a:r>
+            <a:endParaRPr lang="en-US" sz="2000" dirty="0" smtClean="0"/>
+          </a:p>
+          <a:p>
+            <a:pPr lvl="2" algn="l"/>
+            <a:r>
+              <a:rPr lang="en-US" sz="2000" dirty="0" smtClean="0"/>
+              <a:t>Angular.js -&gt; </a:t>
+            </a:r>
+            <a:r>
+              <a:rPr lang="en-US" sz="2000" smtClean="0"/>
+              <a:t>Angular.d.ts</a:t>
+            </a:r>
+            <a:endParaRPr lang="en-US" sz="2000" dirty="0" smtClean="0"/>
+          </a:p>
+          <a:p>
+            <a:pPr lvl="2" algn="l"/>
+            <a:r>
+              <a:rPr lang="en-US" sz="2000" dirty="0" err="1" smtClean="0"/>
+              <a:t>etc</a:t>
+            </a:r>
+            <a:endParaRPr lang="en-US" sz="2000" dirty="0" smtClean="0"/>
+          </a:p>
+          <a:p>
+            <a:pPr marL="285750" indent="-285750" algn="l">
+              <a:buFont typeface="Arial" panose="020B0604020202020204" pitchFamily="34" charset="0"/>
+              <a:buChar char="•"/>
+            </a:pPr>
+            <a:r>
+              <a:rPr lang="en-US" sz="3200" dirty="0">
+                <a:hlinkClick r:id="rId2"/>
+              </a:rPr>
+              <a:t>https://</a:t>
+            </a:r>
+            <a:r>
+              <a:rPr lang="en-US" sz="3200" dirty="0" smtClean="0">
+                <a:hlinkClick r:id="rId2"/>
+              </a:rPr>
+              <a:t>github.com/DefinitelyTyped/DefinitelyTyped</a:t>
+            </a:r>
+            <a:endParaRPr lang="en-US" sz="3200" dirty="0" smtClean="0"/>
+          </a:p>
+          <a:p>
+            <a:pPr marL="285750" indent="-285750" algn="l">
+              <a:buFont typeface="Arial" panose="020B0604020202020204" pitchFamily="34" charset="0"/>
+              <a:buChar char="•"/>
+            </a:pPr>
+            <a:endParaRPr lang="en-US" sz="3200" dirty="0" smtClean="0"/>
+          </a:p>
+          <a:p>
+            <a:pPr algn="l"/>
+            <a:endParaRPr lang="en-US" sz="3200" dirty="0" smtClean="0"/>
+          </a:p>
+          <a:p>
+            <a:pPr algn="l"/>
+            <a:endParaRPr lang="en-US" sz="3200" dirty="0" smtClean="0"/>
+          </a:p>
+          <a:p>
+            <a:pPr marL="342900" indent="-342900" algn="l">
+              <a:buFont typeface="Arial" pitchFamily="34" charset="0"/>
+              <a:buChar char="•"/>
+            </a:pPr>
+            <a:endParaRPr lang="en-US" sz="3200" dirty="0"/>
+          </a:p>
+        </p:txBody>
+      </p:sp>
     </p:spTree>
     <p:extLst>
       <p:ext uri="{BB962C8B-B14F-4D97-AF65-F5344CB8AC3E}">
-        <p14:creationId xmlns:p14="http://schemas.microsoft.com/office/powerpoint/2010/main" val="3668617540"/>
+        <p14:creationId xmlns:p14="http://schemas.microsoft.com/office/powerpoint/2010/main" val="1344933214"/>
       </p:ext>
     </p:extLst>
   </p:cSld>
@@ -5082,6 +5471,259 @@
         </p:nvSpPr>
         <p:spPr>
           <a:xfrm>
+            <a:off x="2300934" y="1447800"/>
+            <a:ext cx="5105400" cy="1447800"/>
+          </a:xfrm>
+        </p:spPr>
+        <p:txBody>
+          <a:bodyPr/>
+          <a:lstStyle/>
+          <a:p>
+            <a:pPr algn="l"/>
+            <a:r>
+              <a:rPr lang="en-US" sz="6000" dirty="0" smtClean="0"/>
+              <a:t>Code Demo</a:t>
+            </a:r>
+            <a:endParaRPr lang="en-US" sz="6000" dirty="0"/>
+          </a:p>
+        </p:txBody>
+      </p:sp>
+      <p:sp>
+        <p:nvSpPr>
+          <p:cNvPr id="4" name="Date Placeholder 3"/>
+          <p:cNvSpPr>
+            <a:spLocks noGrp="1"/>
+          </p:cNvSpPr>
+          <p:nvPr>
+            <p:ph type="dt" sz="half" idx="10"/>
+          </p:nvPr>
+        </p:nvSpPr>
+        <p:spPr/>
+        <p:txBody>
+          <a:bodyPr/>
+          <a:lstStyle/>
+          <a:p>
+            <a:fld id="{216C5678-EE20-4FA5-88E2-6E0BD67A2E26}" type="datetime1">
+              <a:rPr lang="en-US" smtClean="0"/>
+              <a:t>5/15/2016</a:t>
+            </a:fld>
+            <a:endParaRPr lang="en-US" dirty="0"/>
+          </a:p>
+        </p:txBody>
+      </p:sp>
+      <p:sp>
+        <p:nvSpPr>
+          <p:cNvPr id="5" name="Slide Number Placeholder 4"/>
+          <p:cNvSpPr>
+            <a:spLocks noGrp="1"/>
+          </p:cNvSpPr>
+          <p:nvPr>
+            <p:ph type="sldNum" sz="quarter" idx="11"/>
+          </p:nvPr>
+        </p:nvSpPr>
+        <p:spPr/>
+        <p:txBody>
+          <a:bodyPr/>
+          <a:lstStyle/>
+          <a:p>
+            <a:fld id="{BA9B540C-44DA-4F69-89C9-7C84606640D3}" type="slidenum">
+              <a:rPr lang="en-US" smtClean="0"/>
+              <a:pPr/>
+              <a:t>13</a:t>
+            </a:fld>
+            <a:endParaRPr lang="en-US" dirty="0"/>
+          </a:p>
+        </p:txBody>
+      </p:sp>
+      <p:sp>
+        <p:nvSpPr>
+          <p:cNvPr id="6" name="Footer Placeholder 5"/>
+          <p:cNvSpPr>
+            <a:spLocks noGrp="1"/>
+          </p:cNvSpPr>
+          <p:nvPr>
+            <p:ph type="ftr" sz="quarter" idx="12"/>
+          </p:nvPr>
+        </p:nvSpPr>
+        <p:spPr/>
+        <p:txBody>
+          <a:bodyPr/>
+          <a:lstStyle/>
+          <a:p>
+            <a:r>
+              <a:rPr lang="en-US" smtClean="0"/>
+              <a:t>Footer Text</a:t>
+            </a:r>
+            <a:endParaRPr lang="en-US" dirty="0"/>
+          </a:p>
+        </p:txBody>
+      </p:sp>
+    </p:spTree>
+    <p:extLst>
+      <p:ext uri="{BB962C8B-B14F-4D97-AF65-F5344CB8AC3E}">
+        <p14:creationId xmlns:p14="http://schemas.microsoft.com/office/powerpoint/2010/main" val="3668617540"/>
+      </p:ext>
+    </p:extLst>
+  </p:cSld>
+  <p:clrMapOvr>
+    <a:masterClrMapping/>
+  </p:clrMapOvr>
+</p:sld>
+</file>
+
+<file path=ppt/slides/slide14.xml><?xml version="1.0" encoding="utf-8"?>
+<p:sld xmlns:a="http://schemas.openxmlformats.org/drawingml/2006/main" xmlns:r="http://schemas.openxmlformats.org/officeDocument/2006/relationships" xmlns:p="http://schemas.openxmlformats.org/presentationml/2006/main">
+  <p:cSld>
+    <p:spTree>
+      <p:nvGrpSpPr>
+        <p:cNvPr id="1" name=""/>
+        <p:cNvGrpSpPr/>
+        <p:nvPr/>
+      </p:nvGrpSpPr>
+      <p:grpSpPr>
+        <a:xfrm>
+          <a:off x="0" y="0"/>
+          <a:ext cx="0" cy="0"/>
+          <a:chOff x="0" y="0"/>
+          <a:chExt cx="0" cy="0"/>
+        </a:xfrm>
+      </p:grpSpPr>
+      <p:sp>
+        <p:nvSpPr>
+          <p:cNvPr id="4" name="Date Placeholder 3"/>
+          <p:cNvSpPr>
+            <a:spLocks noGrp="1"/>
+          </p:cNvSpPr>
+          <p:nvPr>
+            <p:ph type="dt" sz="half" idx="10"/>
+          </p:nvPr>
+        </p:nvSpPr>
+        <p:spPr/>
+        <p:txBody>
+          <a:bodyPr/>
+          <a:lstStyle/>
+          <a:p>
+            <a:fld id="{216C5678-EE20-4FA5-88E2-6E0BD67A2E26}" type="datetime1">
+              <a:rPr lang="en-US" smtClean="0"/>
+              <a:t>5/15/2016</a:t>
+            </a:fld>
+            <a:endParaRPr lang="en-US" dirty="0"/>
+          </a:p>
+        </p:txBody>
+      </p:sp>
+      <p:sp>
+        <p:nvSpPr>
+          <p:cNvPr id="5" name="Slide Number Placeholder 4"/>
+          <p:cNvSpPr>
+            <a:spLocks noGrp="1"/>
+          </p:cNvSpPr>
+          <p:nvPr>
+            <p:ph type="sldNum" sz="quarter" idx="11"/>
+          </p:nvPr>
+        </p:nvSpPr>
+        <p:spPr/>
+        <p:txBody>
+          <a:bodyPr/>
+          <a:lstStyle/>
+          <a:p>
+            <a:fld id="{BA9B540C-44DA-4F69-89C9-7C84606640D3}" type="slidenum">
+              <a:rPr lang="en-US" smtClean="0"/>
+              <a:pPr/>
+              <a:t>14</a:t>
+            </a:fld>
+            <a:endParaRPr lang="en-US" dirty="0"/>
+          </a:p>
+        </p:txBody>
+      </p:sp>
+      <p:sp>
+        <p:nvSpPr>
+          <p:cNvPr id="6" name="Footer Placeholder 5"/>
+          <p:cNvSpPr>
+            <a:spLocks noGrp="1"/>
+          </p:cNvSpPr>
+          <p:nvPr>
+            <p:ph type="ftr" sz="quarter" idx="12"/>
+          </p:nvPr>
+        </p:nvSpPr>
+        <p:spPr/>
+        <p:txBody>
+          <a:bodyPr/>
+          <a:lstStyle/>
+          <a:p>
+            <a:r>
+              <a:rPr lang="en-US" smtClean="0"/>
+              <a:t>Footer Text</a:t>
+            </a:r>
+            <a:endParaRPr lang="en-US" dirty="0"/>
+          </a:p>
+        </p:txBody>
+      </p:sp>
+      <p:pic>
+        <p:nvPicPr>
+          <p:cNvPr id="3" name="Picture 2"/>
+          <p:cNvPicPr>
+            <a:picLocks noChangeAspect="1"/>
+          </p:cNvPicPr>
+          <p:nvPr/>
+        </p:nvPicPr>
+        <p:blipFill>
+          <a:blip r:embed="rId2"/>
+          <a:stretch>
+            <a:fillRect/>
+          </a:stretch>
+        </p:blipFill>
+        <p:spPr>
+          <a:xfrm>
+            <a:off x="170591" y="304800"/>
+            <a:ext cx="8682526" cy="5422901"/>
+          </a:xfrm>
+          <a:prstGeom prst="rect">
+            <a:avLst/>
+          </a:prstGeom>
+        </p:spPr>
+      </p:pic>
+    </p:spTree>
+    <p:extLst>
+      <p:ext uri="{BB962C8B-B14F-4D97-AF65-F5344CB8AC3E}">
+        <p14:creationId xmlns:p14="http://schemas.microsoft.com/office/powerpoint/2010/main" val="718884942"/>
+      </p:ext>
+    </p:extLst>
+  </p:cSld>
+  <p:clrMapOvr>
+    <a:masterClrMapping/>
+  </p:clrMapOvr>
+</p:sld>
+</file>
+
+<file path=ppt/slides/slide15.xml><?xml version="1.0" encoding="utf-8"?>
+<p:sld xmlns:a="http://schemas.openxmlformats.org/drawingml/2006/main" xmlns:r="http://schemas.openxmlformats.org/officeDocument/2006/relationships" xmlns:p="http://schemas.openxmlformats.org/presentationml/2006/main">
+  <p:cSld>
+    <p:spTree>
+      <p:nvGrpSpPr>
+        <p:cNvPr id="1" name=""/>
+        <p:cNvGrpSpPr/>
+        <p:nvPr/>
+      </p:nvGrpSpPr>
+      <p:grpSpPr>
+        <a:xfrm>
+          <a:off x="0" y="0"/>
+          <a:ext cx="0" cy="0"/>
+          <a:chOff x="0" y="0"/>
+          <a:chExt cx="0" cy="0"/>
+        </a:xfrm>
+      </p:grpSpPr>
+      <p:sp>
+        <p:nvSpPr>
+          <p:cNvPr id="2" name="Title 1"/>
+          <p:cNvSpPr>
+            <a:spLocks noGrp="1"/>
+          </p:cNvSpPr>
+          <p:nvPr>
+            <p:ph type="ctrTitle"/>
+          </p:nvPr>
+        </p:nvSpPr>
+        <p:spPr>
+          <a:xfrm>
             <a:off x="685800" y="228600"/>
             <a:ext cx="7772400" cy="685800"/>
           </a:xfrm>
@@ -5150,7 +5792,7 @@
           <a:p>
             <a:fld id="{216C5678-EE20-4FA5-88E2-6E0BD67A2E26}" type="datetime1">
               <a:rPr lang="en-US" smtClean="0"/>
-              <a:t>5/11/2016</a:t>
+              <a:t>5/15/2016</a:t>
             </a:fld>
             <a:endParaRPr lang="en-US" dirty="0"/>
           </a:p>
@@ -5174,7 +5816,7 @@
             <a:fld id="{BA9B540C-44DA-4F69-89C9-7C84606640D3}" type="slidenum">
               <a:rPr lang="en-US" smtClean="0"/>
               <a:pPr/>
-              <a:t>13</a:t>
+              <a:t>15</a:t>
             </a:fld>
             <a:endParaRPr lang="en-US" dirty="0"/>
           </a:p>
@@ -5292,7 +5934,6 @@
               <a:rPr lang="en-US" sz="3200" dirty="0" smtClean="0"/>
               <a:t>Overview</a:t>
             </a:r>
-            <a:endParaRPr lang="en-US" sz="3200" dirty="0" smtClean="0"/>
           </a:p>
           <a:p>
             <a:pPr marL="342900" indent="-342900" algn="l">
@@ -5303,7 +5944,6 @@
               <a:rPr lang="en-US" sz="3200" dirty="0" smtClean="0"/>
               <a:t>Typescript Syntax</a:t>
             </a:r>
-            <a:endParaRPr lang="en-US" sz="3200" dirty="0" smtClean="0"/>
           </a:p>
           <a:p>
             <a:pPr marL="342900" indent="-342900" algn="l">
@@ -5314,7 +5954,6 @@
               <a:rPr lang="en-US" sz="3200" dirty="0" smtClean="0"/>
               <a:t>Inheritance &amp; Interface</a:t>
             </a:r>
-            <a:endParaRPr lang="en-US" sz="3200" dirty="0" smtClean="0"/>
           </a:p>
           <a:p>
             <a:pPr marL="342900" indent="-342900" algn="l">
@@ -5356,7 +5995,7 @@
           <a:p>
             <a:fld id="{216C5678-EE20-4FA5-88E2-6E0BD67A2E26}" type="datetime1">
               <a:rPr lang="en-US" smtClean="0"/>
-              <a:t>5/11/2016</a:t>
+              <a:t>5/15/2016</a:t>
             </a:fld>
             <a:endParaRPr lang="en-US" dirty="0"/>
           </a:p>
@@ -5577,7 +6216,7 @@
           <a:p>
             <a:fld id="{216C5678-EE20-4FA5-88E2-6E0BD67A2E26}" type="datetime1">
               <a:rPr lang="en-US" smtClean="0"/>
-              <a:t>5/11/2016</a:t>
+              <a:t>5/15/2016</a:t>
             </a:fld>
             <a:endParaRPr lang="en-US" dirty="0"/>
           </a:p>
@@ -5740,7 +6379,7 @@
           <a:p>
             <a:fld id="{216C5678-EE20-4FA5-88E2-6E0BD67A2E26}" type="datetime1">
               <a:rPr lang="en-US" smtClean="0"/>
-              <a:t>5/11/2016</a:t>
+              <a:t>5/15/2016</a:t>
             </a:fld>
             <a:endParaRPr lang="en-US" dirty="0"/>
           </a:p>
@@ -7858,7 +8497,6 @@
               <a:rPr lang="en-US" dirty="0" smtClean="0"/>
               <a:t>” generates foo.js</a:t>
             </a:r>
-            <a:endParaRPr lang="en-US" dirty="0" smtClean="0"/>
           </a:p>
           <a:p>
             <a:pPr algn="l"/>
@@ -7890,7 +8528,7 @@
           <a:p>
             <a:fld id="{216C5678-EE20-4FA5-88E2-6E0BD67A2E26}" type="datetime1">
               <a:rPr lang="en-US" smtClean="0"/>
-              <a:t>5/11/2016</a:t>
+              <a:t>5/15/2016</a:t>
             </a:fld>
             <a:endParaRPr lang="en-US" dirty="0"/>
           </a:p>
@@ -8053,7 +8691,7 @@
           <a:p>
             <a:fld id="{216C5678-EE20-4FA5-88E2-6E0BD67A2E26}" type="datetime1">
               <a:rPr lang="en-US" smtClean="0"/>
-              <a:t>5/11/2016</a:t>
+              <a:t>5/15/2016</a:t>
             </a:fld>
             <a:endParaRPr lang="en-US" dirty="0"/>
           </a:p>
@@ -8499,7 +9137,7 @@
           <a:p>
             <a:fld id="{216C5678-EE20-4FA5-88E2-6E0BD67A2E26}" type="datetime1">
               <a:rPr lang="en-US" smtClean="0"/>
-              <a:t>5/11/2016</a:t>
+              <a:t>5/15/2016</a:t>
             </a:fld>
             <a:endParaRPr lang="en-US" dirty="0"/>
           </a:p>
@@ -9059,7 +9697,7 @@
           <a:p>
             <a:fld id="{216C5678-EE20-4FA5-88E2-6E0BD67A2E26}" type="datetime1">
               <a:rPr lang="en-US" smtClean="0"/>
-              <a:t>5/11/2016</a:t>
+              <a:t>5/15/2016</a:t>
             </a:fld>
             <a:endParaRPr lang="en-US" dirty="0"/>
           </a:p>
@@ -9528,7 +10166,7 @@
           <a:p>
             <a:fld id="{216C5678-EE20-4FA5-88E2-6E0BD67A2E26}" type="datetime1">
               <a:rPr lang="en-US" smtClean="0"/>
-              <a:t>5/11/2016</a:t>
+              <a:t>5/15/2016</a:t>
             </a:fld>
             <a:endParaRPr lang="en-US" dirty="0"/>
           </a:p>
@@ -9782,7 +10420,11 @@
             </a:pPr>
             <a:r>
               <a:rPr lang="en-US" sz="3200" dirty="0" smtClean="0"/>
-              <a:t>Constructor, properties and methods.</a:t>
+              <a:t>Constructor, properties and methods</a:t>
+            </a:r>
+            <a:r>
+              <a:rPr lang="en-US" sz="3200" dirty="0" smtClean="0"/>
+              <a:t>.</a:t>
             </a:r>
           </a:p>
           <a:p>
@@ -9792,7 +10434,11 @@
             </a:pPr>
             <a:r>
               <a:rPr lang="en-US" sz="3200" dirty="0" smtClean="0"/>
-              <a:t>Interfaces, inheritance, generics.</a:t>
+              <a:t>Interfaces</a:t>
+            </a:r>
+            <a:r>
+              <a:rPr lang="en-US" sz="3200" dirty="0" smtClean="0"/>
+              <a:t>, inheritance, generics.</a:t>
             </a:r>
           </a:p>
           <a:p>
@@ -9802,7 +10448,15 @@
             </a:pPr>
             <a:r>
               <a:rPr lang="en-US" sz="3200" dirty="0" smtClean="0"/>
-              <a:t>Private, public visibility.</a:t>
+              <a:t>Private, </a:t>
+            </a:r>
+            <a:r>
+              <a:rPr lang="en-US" sz="3200" dirty="0" smtClean="0"/>
+              <a:t>protected public </a:t>
+            </a:r>
+            <a:r>
+              <a:rPr lang="en-US" sz="3200" dirty="0" smtClean="0"/>
+              <a:t>visibility.</a:t>
             </a:r>
           </a:p>
           <a:p>

--- a/typescript/typescript brownbag.pptx
+++ b/typescript/typescript brownbag.pptx
@@ -222,7 +222,7 @@
           <a:p>
             <a:fld id="{436134EC-835B-48D8-BDB5-96D4A8A8ACE7}" type="datetimeFigureOut">
               <a:rPr lang="en-US" smtClean="0"/>
-              <a:t>5/17/2016</a:t>
+              <a:t>5/21/2016</a:t>
             </a:fld>
             <a:endParaRPr lang="en-US"/>
           </a:p>
@@ -682,7 +682,7 @@
           <a:p>
             <a:fld id="{216C5678-EE20-4FA5-88E2-6E0BD67A2E26}" type="datetime1">
               <a:rPr lang="en-US" smtClean="0"/>
-              <a:t>5/17/2016</a:t>
+              <a:t>5/21/2016</a:t>
             </a:fld>
             <a:endParaRPr lang="en-US" dirty="0"/>
           </a:p>
@@ -852,7 +852,7 @@
           <a:p>
             <a:fld id="{EA051B39-B140-43FE-96DB-472A2B59CE7C}" type="datetime1">
               <a:rPr lang="en-US" smtClean="0"/>
-              <a:t>5/17/2016</a:t>
+              <a:t>5/21/2016</a:t>
             </a:fld>
             <a:endParaRPr lang="en-US"/>
           </a:p>
@@ -1032,7 +1032,7 @@
           <a:p>
             <a:fld id="{DA600BB2-27C5-458B-ABCE-839C88CF47CE}" type="datetime1">
               <a:rPr lang="en-US" smtClean="0"/>
-              <a:t>5/17/2016</a:t>
+              <a:t>5/21/2016</a:t>
             </a:fld>
             <a:endParaRPr lang="en-US"/>
           </a:p>
@@ -1220,7 +1220,7 @@
           <a:p>
             <a:fld id="{B11D738E-8962-435F-8C43-147B8DD7E819}" type="datetime1">
               <a:rPr lang="en-US" smtClean="0"/>
-              <a:t>5/17/2016</a:t>
+              <a:t>5/21/2016</a:t>
             </a:fld>
             <a:endParaRPr lang="en-US"/>
           </a:p>
@@ -1487,7 +1487,7 @@
           <a:p>
             <a:fld id="{09CAEA93-55E7-4DA9-90C2-089A26EEFEC4}" type="datetime1">
               <a:rPr lang="en-US" smtClean="0"/>
-              <a:t>5/17/2016</a:t>
+              <a:t>5/21/2016</a:t>
             </a:fld>
             <a:endParaRPr lang="en-US"/>
           </a:p>
@@ -1840,7 +1840,7 @@
           <a:p>
             <a:fld id="{E34CF3C7-6809-4F39-BD67-A75817BDDE0A}" type="datetime1">
               <a:rPr lang="en-US" smtClean="0"/>
-              <a:t>5/17/2016</a:t>
+              <a:t>5/21/2016</a:t>
             </a:fld>
             <a:endParaRPr lang="en-US"/>
           </a:p>
@@ -2153,7 +2153,7 @@
           <a:p>
             <a:fld id="{F7EAEB24-CE78-465C-A726-91D0868FA48F}" type="datetime1">
               <a:rPr lang="en-US" smtClean="0"/>
-              <a:t>5/17/2016</a:t>
+              <a:t>5/21/2016</a:t>
             </a:fld>
             <a:endParaRPr lang="en-US"/>
           </a:p>
@@ -2385,7 +2385,7 @@
           <a:p>
             <a:fld id="{40BAADF0-1749-4E8B-9691-B44A5F8C0895}" type="datetime1">
               <a:rPr lang="en-US" smtClean="0"/>
-              <a:t>5/17/2016</a:t>
+              <a:t>5/21/2016</a:t>
             </a:fld>
             <a:endParaRPr lang="en-US"/>
           </a:p>
@@ -2480,7 +2480,7 @@
           <a:p>
             <a:fld id="{A8AF628A-A867-4937-BBE5-207DB6F9C51A}" type="datetime1">
               <a:rPr lang="en-US" smtClean="0"/>
-              <a:t>5/17/2016</a:t>
+              <a:t>5/21/2016</a:t>
             </a:fld>
             <a:endParaRPr lang="en-US"/>
           </a:p>
@@ -2773,7 +2773,7 @@
           <a:p>
             <a:fld id="{118BBB94-68E6-4675-A946-F1C5994EDBD7}" type="datetime1">
               <a:rPr lang="en-US" smtClean="0"/>
-              <a:t>5/17/2016</a:t>
+              <a:t>5/21/2016</a:t>
             </a:fld>
             <a:endParaRPr lang="en-US"/>
           </a:p>
@@ -3047,7 +3047,7 @@
           <a:p>
             <a:fld id="{DC3B8377-21E3-4835-B75D-4E2847E2750F}" type="datetime1">
               <a:rPr lang="en-US" smtClean="0"/>
-              <a:t>5/17/2016</a:t>
+              <a:t>5/21/2016</a:t>
             </a:fld>
             <a:endParaRPr lang="en-US"/>
           </a:p>
@@ -3262,7 +3262,7 @@
           <a:p>
             <a:fld id="{B0C4986D-6BE9-4264-908F-02DB36FD8D6C}" type="datetime1">
               <a:rPr lang="en-US" smtClean="0"/>
-              <a:t>5/17/2016</a:t>
+              <a:t>5/21/2016</a:t>
             </a:fld>
             <a:endParaRPr lang="en-US" dirty="0"/>
           </a:p>
@@ -3860,7 +3860,7 @@
           <a:p>
             <a:fld id="{216C5678-EE20-4FA5-88E2-6E0BD67A2E26}" type="datetime1">
               <a:rPr lang="en-US" smtClean="0"/>
-              <a:t>5/17/2016</a:t>
+              <a:t>5/21/2016</a:t>
             </a:fld>
             <a:endParaRPr lang="en-US" dirty="0"/>
           </a:p>
@@ -4023,7 +4023,7 @@
           <a:p>
             <a:fld id="{216C5678-EE20-4FA5-88E2-6E0BD67A2E26}" type="datetime1">
               <a:rPr lang="en-US" smtClean="0"/>
-              <a:t>5/17/2016</a:t>
+              <a:t>5/21/2016</a:t>
             </a:fld>
             <a:endParaRPr lang="en-US" dirty="0"/>
           </a:p>
@@ -4463,7 +4463,7 @@
           <a:p>
             <a:fld id="{216C5678-EE20-4FA5-88E2-6E0BD67A2E26}" type="datetime1">
               <a:rPr lang="en-US" smtClean="0"/>
-              <a:t>5/17/2016</a:t>
+              <a:t>5/21/2016</a:t>
             </a:fld>
             <a:endParaRPr lang="en-US" dirty="0"/>
           </a:p>
@@ -5049,7 +5049,7 @@
           <a:p>
             <a:fld id="{216C5678-EE20-4FA5-88E2-6E0BD67A2E26}" type="datetime1">
               <a:rPr lang="en-US" smtClean="0"/>
-              <a:t>5/17/2016</a:t>
+              <a:t>5/21/2016</a:t>
             </a:fld>
             <a:endParaRPr lang="en-US" dirty="0"/>
           </a:p>
@@ -5454,7 +5454,7 @@
           <a:p>
             <a:fld id="{216C5678-EE20-4FA5-88E2-6E0BD67A2E26}" type="datetime1">
               <a:rPr lang="en-US" smtClean="0"/>
-              <a:t>5/17/2016</a:t>
+              <a:t>5/21/2016</a:t>
             </a:fld>
             <a:endParaRPr lang="en-US" dirty="0"/>
           </a:p>
@@ -5573,8 +5573,8 @@
         </p:nvSpPr>
         <p:spPr>
           <a:xfrm>
-            <a:off x="2300934" y="1447800"/>
-            <a:ext cx="5105400" cy="1447800"/>
+            <a:off x="2362200" y="916311"/>
+            <a:ext cx="4572000" cy="1438922"/>
           </a:xfrm>
         </p:spPr>
         <p:txBody>
@@ -5584,7 +5584,11 @@
             <a:pPr algn="l"/>
             <a:r>
               <a:rPr lang="en-US" sz="6000" dirty="0" smtClean="0"/>
-              <a:t>Code Demo</a:t>
+              <a:t>Code </a:t>
+            </a:r>
+            <a:r>
+              <a:rPr lang="en-US" sz="6000" dirty="0" smtClean="0"/>
+              <a:t>Demo</a:t>
             </a:r>
             <a:endParaRPr lang="en-US" sz="6000" dirty="0"/>
           </a:p>
@@ -5607,7 +5611,7 @@
           <a:p>
             <a:fld id="{216C5678-EE20-4FA5-88E2-6E0BD67A2E26}" type="datetime1">
               <a:rPr lang="en-US" smtClean="0"/>
-              <a:t>5/17/2016</a:t>
+              <a:t>5/21/2016</a:t>
             </a:fld>
             <a:endParaRPr lang="en-US" dirty="0"/>
           </a:p>
@@ -5657,6 +5661,101 @@
               <a:t>Footer Text</a:t>
             </a:r>
             <a:endParaRPr lang="en-US" dirty="0"/>
+          </a:p>
+        </p:txBody>
+      </p:sp>
+      <p:sp>
+        <p:nvSpPr>
+          <p:cNvPr id="7" name="Title 1"/>
+          <p:cNvSpPr txBox="1">
+            <a:spLocks/>
+          </p:cNvSpPr>
+          <p:nvPr/>
+        </p:nvSpPr>
+        <p:spPr>
+          <a:xfrm>
+            <a:off x="1447800" y="2590800"/>
+            <a:ext cx="6320901" cy="2810522"/>
+          </a:xfrm>
+          <a:prstGeom prst="rect">
+            <a:avLst/>
+          </a:prstGeom>
+        </p:spPr>
+        <p:txBody>
+          <a:bodyPr vert="horz" lIns="91440" tIns="45720" rIns="91440" bIns="45720" rtlCol="0" anchor="b">
+            <a:noAutofit/>
+          </a:bodyPr>
+          <a:lstStyle>
+            <a:lvl1pPr algn="ctr" defTabSz="914400" rtl="0" eaLnBrk="1" latinLnBrk="0" hangingPunct="1">
+              <a:lnSpc>
+                <a:spcPct val="100000"/>
+              </a:lnSpc>
+              <a:spcBef>
+                <a:spcPct val="0"/>
+              </a:spcBef>
+              <a:buNone/>
+              <a:defRPr sz="8000" kern="1200">
+                <a:solidFill>
+                  <a:schemeClr val="tx2"/>
+                </a:solidFill>
+                <a:effectLst>
+                  <a:outerShdw blurRad="63500" dist="38100" dir="5400000" algn="t" rotWithShape="0">
+                    <a:prstClr val="black">
+                      <a:alpha val="25000"/>
+                    </a:prstClr>
+                  </a:outerShdw>
+                </a:effectLst>
+                <a:latin typeface="+mn-lt"/>
+                <a:ea typeface="+mj-ea"/>
+                <a:cs typeface="+mj-cs"/>
+              </a:defRPr>
+            </a:lvl1pPr>
+          </a:lstStyle>
+          <a:p>
+            <a:pPr marL="571500" indent="-571500" algn="l">
+              <a:buFont typeface="Arial" panose="020B0604020202020204" pitchFamily="34" charset="0"/>
+              <a:buChar char="•"/>
+            </a:pPr>
+            <a:r>
+              <a:rPr lang="en-US" sz="3600" smtClean="0"/>
+              <a:t>JavaScript </a:t>
+            </a:r>
+            <a:r>
+              <a:rPr lang="en-US" sz="3600" dirty="0" smtClean="0"/>
+              <a:t>app</a:t>
+            </a:r>
+          </a:p>
+          <a:p>
+            <a:pPr marL="571500" indent="-571500" algn="l">
+              <a:buFont typeface="Arial" panose="020B0604020202020204" pitchFamily="34" charset="0"/>
+              <a:buChar char="•"/>
+            </a:pPr>
+            <a:r>
+              <a:rPr lang="en-US" sz="3600" dirty="0" smtClean="0"/>
+              <a:t>Typescript app</a:t>
+            </a:r>
+          </a:p>
+          <a:p>
+            <a:pPr marL="571500" indent="-571500" algn="l">
+              <a:buFont typeface="Arial" panose="020B0604020202020204" pitchFamily="34" charset="0"/>
+              <a:buChar char="•"/>
+            </a:pPr>
+            <a:r>
+              <a:rPr lang="en-US" sz="3600" dirty="0" err="1" smtClean="0"/>
+              <a:t>ExtJS</a:t>
+            </a:r>
+            <a:r>
+              <a:rPr lang="en-US" sz="3600" dirty="0" smtClean="0"/>
+              <a:t> app using Typescript</a:t>
+            </a:r>
+            <a:r>
+              <a:rPr lang="en-US" sz="6000" dirty="0" smtClean="0"/>
+              <a:t/>
+            </a:r>
+            <a:br>
+              <a:rPr lang="en-US" sz="6000" dirty="0" smtClean="0"/>
+            </a:br>
+            <a:endParaRPr lang="en-US" sz="6000" dirty="0"/>
           </a:p>
         </p:txBody>
       </p:sp>
@@ -5784,7 +5883,7 @@
           <a:p>
             <a:fld id="{216C5678-EE20-4FA5-88E2-6E0BD67A2E26}" type="datetime1">
               <a:rPr lang="en-US" smtClean="0"/>
-              <a:t>5/17/2016</a:t>
+              <a:t>5/21/2016</a:t>
             </a:fld>
             <a:endParaRPr lang="en-US" dirty="0"/>
           </a:p>
@@ -5987,7 +6086,7 @@
           <a:p>
             <a:fld id="{216C5678-EE20-4FA5-88E2-6E0BD67A2E26}" type="datetime1">
               <a:rPr lang="en-US" smtClean="0"/>
-              <a:t>5/17/2016</a:t>
+              <a:t>5/21/2016</a:t>
             </a:fld>
             <a:endParaRPr lang="en-US" dirty="0"/>
           </a:p>
@@ -6208,7 +6307,7 @@
           <a:p>
             <a:fld id="{216C5678-EE20-4FA5-88E2-6E0BD67A2E26}" type="datetime1">
               <a:rPr lang="en-US" smtClean="0"/>
-              <a:t>5/17/2016</a:t>
+              <a:t>5/21/2016</a:t>
             </a:fld>
             <a:endParaRPr lang="en-US" dirty="0"/>
           </a:p>
@@ -6371,7 +6470,7 @@
           <a:p>
             <a:fld id="{216C5678-EE20-4FA5-88E2-6E0BD67A2E26}" type="datetime1">
               <a:rPr lang="en-US" smtClean="0"/>
-              <a:t>5/17/2016</a:t>
+              <a:t>5/21/2016</a:t>
             </a:fld>
             <a:endParaRPr lang="en-US" dirty="0"/>
           </a:p>
@@ -8520,7 +8619,7 @@
           <a:p>
             <a:fld id="{216C5678-EE20-4FA5-88E2-6E0BD67A2E26}" type="datetime1">
               <a:rPr lang="en-US" smtClean="0"/>
-              <a:t>5/17/2016</a:t>
+              <a:t>5/21/2016</a:t>
             </a:fld>
             <a:endParaRPr lang="en-US" dirty="0"/>
           </a:p>
@@ -8683,7 +8782,7 @@
           <a:p>
             <a:fld id="{216C5678-EE20-4FA5-88E2-6E0BD67A2E26}" type="datetime1">
               <a:rPr lang="en-US" smtClean="0"/>
-              <a:t>5/17/2016</a:t>
+              <a:t>5/21/2016</a:t>
             </a:fld>
             <a:endParaRPr lang="en-US" dirty="0"/>
           </a:p>
@@ -9129,7 +9228,7 @@
           <a:p>
             <a:fld id="{216C5678-EE20-4FA5-88E2-6E0BD67A2E26}" type="datetime1">
               <a:rPr lang="en-US" smtClean="0"/>
-              <a:t>5/17/2016</a:t>
+              <a:t>5/21/2016</a:t>
             </a:fld>
             <a:endParaRPr lang="en-US" dirty="0"/>
           </a:p>
@@ -9689,7 +9788,7 @@
           <a:p>
             <a:fld id="{216C5678-EE20-4FA5-88E2-6E0BD67A2E26}" type="datetime1">
               <a:rPr lang="en-US" smtClean="0"/>
-              <a:t>5/17/2016</a:t>
+              <a:t>5/21/2016</a:t>
             </a:fld>
             <a:endParaRPr lang="en-US" dirty="0"/>
           </a:p>
@@ -10158,7 +10257,7 @@
           <a:p>
             <a:fld id="{216C5678-EE20-4FA5-88E2-6E0BD67A2E26}" type="datetime1">
               <a:rPr lang="en-US" smtClean="0"/>
-              <a:t>5/17/2016</a:t>
+              <a:t>5/21/2016</a:t>
             </a:fld>
             <a:endParaRPr lang="en-US" dirty="0"/>
           </a:p>
